--- a/Hackathlon Canteens v3.pptx
+++ b/Hackathlon Canteens v3.pptx
@@ -4701,12 +4701,36 @@
             <p:ph type="subTitle" idx="1"/>
           </p:nvPr>
         </p:nvSpPr>
-        <p:spPr/>
+        <p:spPr>
+          <a:xfrm>
+            <a:off x="604474" y="3717032"/>
+            <a:ext cx="8532812" cy="1728787"/>
+          </a:xfrm>
+        </p:spPr>
         <p:txBody>
           <a:bodyPr/>
           <a:lstStyle/>
           <a:p>
             <a:r>
+              <a:rPr lang="en-GB" altLang="en-US" sz="3200" b="0" dirty="0"/>
+              <a:t>Davide Steduto</a:t>
+            </a:r>
+          </a:p>
+          <a:p>
+            <a:r>
+              <a:rPr lang="en-GB" altLang="en-US" sz="3200" b="0" dirty="0"/>
+              <a:t>George Vaicar</a:t>
+            </a:r>
+          </a:p>
+          <a:p>
+            <a:r>
+              <a:rPr lang="en-GB" altLang="en-US" sz="3200" b="0" dirty="0"/>
+              <a:t>Nico Debackere</a:t>
+            </a:r>
+            <a:endParaRPr lang="en-US" altLang="en-US" sz="3200" dirty="0"/>
+          </a:p>
+          <a:p>
+            <a:r>
               <a:rPr lang="en-GB" altLang="en-US" sz="3200" b="0" dirty="0" smtClean="0"/>
               <a:t>Zoltan </a:t>
             </a:r>
@@ -4715,25 +4739,6 @@
               <a:t>Orban</a:t>
             </a:r>
             <a:endParaRPr lang="en-GB" altLang="en-US" sz="3200" b="0" dirty="0" smtClean="0"/>
-          </a:p>
-          <a:p>
-            <a:r>
-              <a:rPr lang="en-GB" altLang="en-US" sz="3200" b="0" dirty="0" smtClean="0"/>
-              <a:t>George Vaicar</a:t>
-            </a:r>
-          </a:p>
-          <a:p>
-            <a:r>
-              <a:rPr lang="en-GB" altLang="en-US" sz="3200" b="0" dirty="0" smtClean="0"/>
-              <a:t>Davide Steduto</a:t>
-            </a:r>
-          </a:p>
-          <a:p>
-            <a:r>
-              <a:rPr lang="en-GB" altLang="en-US" sz="3200" b="0" dirty="0" smtClean="0"/>
-              <a:t>Nico Debackere</a:t>
-            </a:r>
-            <a:endParaRPr lang="en-US" altLang="en-US" dirty="0"/>
           </a:p>
         </p:txBody>
       </p:sp>
@@ -4910,7 +4915,11 @@
             </a:pPr>
             <a:r>
               <a:rPr lang="en-US" altLang="nl-BE" b="0" dirty="0" smtClean="0"/>
-              <a:t>Meal Payment</a:t>
+              <a:t>Future: Meal </a:t>
+            </a:r>
+            <a:r>
+              <a:rPr lang="en-US" altLang="nl-BE" b="0" dirty="0" smtClean="0"/>
+              <a:t>Payment</a:t>
             </a:r>
           </a:p>
           <a:p>
@@ -5266,11 +5275,7 @@
             </a:r>
             <a:r>
               <a:rPr lang="en-US" altLang="nl-BE" b="0" smtClean="0"/>
-              <a:t>to </a:t>
-            </a:r>
-            <a:r>
-              <a:rPr lang="en-US" altLang="nl-BE" b="0" smtClean="0"/>
-              <a:t>companies (UNIJOLY</a:t>
+              <a:t>to companies (UNIJOLY</a:t>
             </a:r>
             <a:r>
               <a:rPr lang="en-US" altLang="nl-BE" b="0" dirty="0" smtClean="0"/>
